--- a/Slides/10_Agile_TrainingPlan.pptx
+++ b/Slides/10_Agile_TrainingPlan.pptx
@@ -210,7 +210,7 @@
           <a:p>
             <a:fld id="{6BB217F5-9596-4525-9113-EE9E789B01B1}" type="datetimeFigureOut">
               <a:rPr lang="en-US" smtClean="0"/>
-              <a:t>1/20/2018</a:t>
+              <a:t>2/4/2018</a:t>
             </a:fld>
             <a:endParaRPr lang="en-US"/>
           </a:p>
@@ -2434,7 +2434,7 @@
           <a:p>
             <a:fld id="{96FB5D56-0812-4ED5-8B52-3D0DCBF578CB}" type="datetimeFigureOut">
               <a:rPr lang="en-US" smtClean="0"/>
-              <a:t>1/20/2018</a:t>
+              <a:t>2/4/2018</a:t>
             </a:fld>
             <a:endParaRPr lang="en-US"/>
           </a:p>
@@ -2709,7 +2709,7 @@
           <a:p>
             <a:fld id="{96FB5D56-0812-4ED5-8B52-3D0DCBF578CB}" type="datetimeFigureOut">
               <a:rPr lang="en-US" smtClean="0"/>
-              <a:t>1/20/2018</a:t>
+              <a:t>2/4/2018</a:t>
             </a:fld>
             <a:endParaRPr lang="en-US"/>
           </a:p>
@@ -2903,7 +2903,7 @@
           <a:p>
             <a:fld id="{96FB5D56-0812-4ED5-8B52-3D0DCBF578CB}" type="datetimeFigureOut">
               <a:rPr lang="en-US" smtClean="0"/>
-              <a:t>1/20/2018</a:t>
+              <a:t>2/4/2018</a:t>
             </a:fld>
             <a:endParaRPr lang="en-US"/>
           </a:p>
@@ -3176,7 +3176,7 @@
           <a:p>
             <a:fld id="{96FB5D56-0812-4ED5-8B52-3D0DCBF578CB}" type="datetimeFigureOut">
               <a:rPr lang="en-US" smtClean="0"/>
-              <a:t>1/20/2018</a:t>
+              <a:t>2/4/2018</a:t>
             </a:fld>
             <a:endParaRPr lang="en-US"/>
           </a:p>
@@ -3517,7 +3517,7 @@
           <a:p>
             <a:fld id="{96FB5D56-0812-4ED5-8B52-3D0DCBF578CB}" type="datetimeFigureOut">
               <a:rPr lang="en-US" smtClean="0"/>
-              <a:t>1/20/2018</a:t>
+              <a:t>2/4/2018</a:t>
             </a:fld>
             <a:endParaRPr lang="en-US"/>
           </a:p>
@@ -4140,7 +4140,7 @@
           <a:p>
             <a:fld id="{96FB5D56-0812-4ED5-8B52-3D0DCBF578CB}" type="datetimeFigureOut">
               <a:rPr lang="en-US" smtClean="0"/>
-              <a:t>1/20/2018</a:t>
+              <a:t>2/4/2018</a:t>
             </a:fld>
             <a:endParaRPr lang="en-US"/>
           </a:p>
@@ -5000,7 +5000,7 @@
           <a:p>
             <a:fld id="{96FB5D56-0812-4ED5-8B52-3D0DCBF578CB}" type="datetimeFigureOut">
               <a:rPr lang="en-US" smtClean="0"/>
-              <a:t>1/20/2018</a:t>
+              <a:t>2/4/2018</a:t>
             </a:fld>
             <a:endParaRPr lang="en-US"/>
           </a:p>
@@ -5170,7 +5170,7 @@
           <a:p>
             <a:fld id="{96FB5D56-0812-4ED5-8B52-3D0DCBF578CB}" type="datetimeFigureOut">
               <a:rPr lang="en-US" smtClean="0"/>
-              <a:t>1/20/2018</a:t>
+              <a:t>2/4/2018</a:t>
             </a:fld>
             <a:endParaRPr lang="en-US"/>
           </a:p>
@@ -5350,7 +5350,7 @@
           <a:p>
             <a:fld id="{96FB5D56-0812-4ED5-8B52-3D0DCBF578CB}" type="datetimeFigureOut">
               <a:rPr lang="en-US" smtClean="0"/>
-              <a:t>1/20/2018</a:t>
+              <a:t>2/4/2018</a:t>
             </a:fld>
             <a:endParaRPr lang="en-US"/>
           </a:p>
@@ -5520,7 +5520,7 @@
           <a:p>
             <a:fld id="{96FB5D56-0812-4ED5-8B52-3D0DCBF578CB}" type="datetimeFigureOut">
               <a:rPr lang="en-US" smtClean="0"/>
-              <a:t>1/20/2018</a:t>
+              <a:t>2/4/2018</a:t>
             </a:fld>
             <a:endParaRPr lang="en-US"/>
           </a:p>
@@ -5767,7 +5767,7 @@
           <a:p>
             <a:fld id="{96FB5D56-0812-4ED5-8B52-3D0DCBF578CB}" type="datetimeFigureOut">
               <a:rPr lang="en-US" smtClean="0"/>
-              <a:t>1/20/2018</a:t>
+              <a:t>2/4/2018</a:t>
             </a:fld>
             <a:endParaRPr lang="en-US"/>
           </a:p>
@@ -6059,7 +6059,7 @@
           <a:p>
             <a:fld id="{96FB5D56-0812-4ED5-8B52-3D0DCBF578CB}" type="datetimeFigureOut">
               <a:rPr lang="en-US" smtClean="0"/>
-              <a:t>1/20/2018</a:t>
+              <a:t>2/4/2018</a:t>
             </a:fld>
             <a:endParaRPr lang="en-US"/>
           </a:p>
@@ -6503,7 +6503,7 @@
           <a:p>
             <a:fld id="{96FB5D56-0812-4ED5-8B52-3D0DCBF578CB}" type="datetimeFigureOut">
               <a:rPr lang="en-US" smtClean="0"/>
-              <a:t>1/20/2018</a:t>
+              <a:t>2/4/2018</a:t>
             </a:fld>
             <a:endParaRPr lang="en-US"/>
           </a:p>
@@ -6621,7 +6621,7 @@
           <a:p>
             <a:fld id="{96FB5D56-0812-4ED5-8B52-3D0DCBF578CB}" type="datetimeFigureOut">
               <a:rPr lang="en-US" smtClean="0"/>
-              <a:t>1/20/2018</a:t>
+              <a:t>2/4/2018</a:t>
             </a:fld>
             <a:endParaRPr lang="en-US"/>
           </a:p>
@@ -6716,7 +6716,7 @@
           <a:p>
             <a:fld id="{96FB5D56-0812-4ED5-8B52-3D0DCBF578CB}" type="datetimeFigureOut">
               <a:rPr lang="en-US" smtClean="0"/>
-              <a:t>1/20/2018</a:t>
+              <a:t>2/4/2018</a:t>
             </a:fld>
             <a:endParaRPr lang="en-US"/>
           </a:p>
@@ -6995,7 +6995,7 @@
           <a:p>
             <a:fld id="{96FB5D56-0812-4ED5-8B52-3D0DCBF578CB}" type="datetimeFigureOut">
               <a:rPr lang="en-US" smtClean="0"/>
-              <a:t>1/20/2018</a:t>
+              <a:t>2/4/2018</a:t>
             </a:fld>
             <a:endParaRPr lang="en-US"/>
           </a:p>
@@ -7270,7 +7270,7 @@
           <a:p>
             <a:fld id="{96FB5D56-0812-4ED5-8B52-3D0DCBF578CB}" type="datetimeFigureOut">
               <a:rPr lang="en-US" smtClean="0"/>
-              <a:t>1/20/2018</a:t>
+              <a:t>2/4/2018</a:t>
             </a:fld>
             <a:endParaRPr lang="en-US"/>
           </a:p>
@@ -7699,7 +7699,7 @@
           <a:p>
             <a:fld id="{96FB5D56-0812-4ED5-8B52-3D0DCBF578CB}" type="datetimeFigureOut">
               <a:rPr lang="en-US" smtClean="0"/>
-              <a:t>1/20/2018</a:t>
+              <a:t>2/4/2018</a:t>
             </a:fld>
             <a:endParaRPr lang="en-US"/>
           </a:p>
@@ -8380,6 +8380,36 @@
           </a:p>
         </p:txBody>
       </p:sp>
+      <p:pic>
+        <p:nvPicPr>
+          <p:cNvPr id="4" name="Picture 3"/>
+          <p:cNvPicPr>
+            <a:picLocks noChangeAspect="1"/>
+          </p:cNvPicPr>
+          <p:nvPr/>
+        </p:nvPicPr>
+        <p:blipFill>
+          <a:blip r:embed="rId3">
+            <a:extLst>
+              <a:ext uri="{28A0092B-C50C-407E-A947-70E740481C1C}">
+                <a14:useLocalDpi xmlns:a14="http://schemas.microsoft.com/office/drawing/2010/main" val="0"/>
+              </a:ext>
+            </a:extLst>
+          </a:blip>
+          <a:stretch>
+            <a:fillRect/>
+          </a:stretch>
+        </p:blipFill>
+        <p:spPr>
+          <a:xfrm>
+            <a:off x="7950200" y="1447800"/>
+            <a:ext cx="3571240" cy="4529836"/>
+          </a:xfrm>
+          <a:prstGeom prst="rect">
+            <a:avLst/>
+          </a:prstGeom>
+        </p:spPr>
+      </p:pic>
     </p:spTree>
     <p:extLst>
       <p:ext uri="{BB962C8B-B14F-4D97-AF65-F5344CB8AC3E}">
@@ -8627,7 +8657,7 @@
           <a:p>
             <a:r>
               <a:rPr lang="en-US" dirty="0" smtClean="0"/>
-              <a:t>REVIEW GAME</a:t>
+              <a:t>QUICK REVIEW</a:t>
             </a:r>
             <a:endParaRPr lang="en-US" dirty="0"/>
           </a:p>
@@ -8656,6 +8686,36 @@
           </a:p>
         </p:txBody>
       </p:sp>
+      <p:pic>
+        <p:nvPicPr>
+          <p:cNvPr id="4" name="Picture 3"/>
+          <p:cNvPicPr>
+            <a:picLocks noChangeAspect="1"/>
+          </p:cNvPicPr>
+          <p:nvPr/>
+        </p:nvPicPr>
+        <p:blipFill>
+          <a:blip r:embed="rId3">
+            <a:extLst>
+              <a:ext uri="{28A0092B-C50C-407E-A947-70E740481C1C}">
+                <a14:useLocalDpi xmlns:a14="http://schemas.microsoft.com/office/drawing/2010/main" val="0"/>
+              </a:ext>
+            </a:extLst>
+          </a:blip>
+          <a:stretch>
+            <a:fillRect/>
+          </a:stretch>
+        </p:blipFill>
+        <p:spPr>
+          <a:xfrm>
+            <a:off x="8168603" y="1172656"/>
+            <a:ext cx="3624020" cy="5461159"/>
+          </a:xfrm>
+          <a:prstGeom prst="rect">
+            <a:avLst/>
+          </a:prstGeom>
+        </p:spPr>
+      </p:pic>
     </p:spTree>
     <p:extLst>
       <p:ext uri="{BB962C8B-B14F-4D97-AF65-F5344CB8AC3E}">
@@ -9375,6 +9435,36 @@
           </a:p>
         </p:txBody>
       </p:sp>
+      <p:pic>
+        <p:nvPicPr>
+          <p:cNvPr id="4" name="Picture 3"/>
+          <p:cNvPicPr>
+            <a:picLocks noChangeAspect="1"/>
+          </p:cNvPicPr>
+          <p:nvPr/>
+        </p:nvPicPr>
+        <p:blipFill>
+          <a:blip r:embed="rId3">
+            <a:extLst>
+              <a:ext uri="{28A0092B-C50C-407E-A947-70E740481C1C}">
+                <a14:useLocalDpi xmlns:a14="http://schemas.microsoft.com/office/drawing/2010/main" val="0"/>
+              </a:ext>
+            </a:extLst>
+          </a:blip>
+          <a:stretch>
+            <a:fillRect/>
+          </a:stretch>
+        </p:blipFill>
+        <p:spPr>
+          <a:xfrm>
+            <a:off x="7950200" y="1447800"/>
+            <a:ext cx="3571240" cy="4529836"/>
+          </a:xfrm>
+          <a:prstGeom prst="rect">
+            <a:avLst/>
+          </a:prstGeom>
+        </p:spPr>
+      </p:pic>
     </p:spTree>
     <p:extLst>
       <p:ext uri="{BB962C8B-B14F-4D97-AF65-F5344CB8AC3E}">
